--- a/강화학습 실제/과제/Atari게임 PONG_2024254022_정현일.pptx
+++ b/강화학습 실제/과제/Atari게임 PONG_2024254022_정현일.pptx
@@ -19722,7 +19722,7 @@
                 <a:latin typeface="+mn-ea"/>
                 <a:ea typeface="+mn-ea"/>
               </a:rPr>
-              <a:t>Episodes = 1,000</a:t>
+              <a:t>Episodes = 20,000</a:t>
             </a:r>
           </a:p>
         </p:txBody>
@@ -19805,36 +19805,6 @@
           </a:p>
         </p:txBody>
       </p:sp>
-      <p:pic>
-        <p:nvPicPr>
-          <p:cNvPr id="3" name="그림 2">
-            <a:extLst>
-              <a:ext uri="{FF2B5EF4-FFF2-40B4-BE49-F238E27FC236}">
-                <a16:creationId xmlns:a16="http://schemas.microsoft.com/office/drawing/2014/main" id="{B9331563-9D8F-6A35-3D96-26552F0012CC}"/>
-              </a:ext>
-            </a:extLst>
-          </p:cNvPr>
-          <p:cNvPicPr>
-            <a:picLocks noChangeAspect="1"/>
-          </p:cNvPicPr>
-          <p:nvPr/>
-        </p:nvPicPr>
-        <p:blipFill>
-          <a:blip r:embed="rId3"/>
-          <a:stretch>
-            <a:fillRect/>
-          </a:stretch>
-        </p:blipFill>
-        <p:spPr>
-          <a:xfrm>
-            <a:off x="4529228" y="969179"/>
-            <a:ext cx="4284672" cy="3398934"/>
-          </a:xfrm>
-          <a:prstGeom prst="rect">
-            <a:avLst/>
-          </a:prstGeom>
-        </p:spPr>
-      </p:pic>
       <p:sp>
         <p:nvSpPr>
           <p:cNvPr id="5" name="내용 개체 틀 2">
@@ -19852,7 +19822,7 @@
         <p:spPr>
           <a:xfrm>
             <a:off x="252469" y="606774"/>
-            <a:ext cx="2501931" cy="373017"/>
+            <a:ext cx="3690881" cy="373017"/>
           </a:xfrm>
           <a:prstGeom prst="rect">
             <a:avLst/>
@@ -20107,14 +20077,56 @@
                 <a:latin typeface="+mn-ea"/>
                 <a:ea typeface="+mn-ea"/>
               </a:rPr>
-              <a:t>3,475</a:t>
+              <a:t>54,279</a:t>
             </a:r>
             <a:r>
               <a:rPr lang="ko-KR" altLang="en-US" sz="1200" dirty="0">
                 <a:latin typeface="+mn-ea"/>
                 <a:ea typeface="+mn-ea"/>
               </a:rPr>
-              <a:t>초 수행</a:t>
+              <a:t>초</a:t>
+            </a:r>
+            <a:r>
+              <a:rPr lang="en-US" altLang="ko-KR" sz="1200" dirty="0">
+                <a:latin typeface="+mn-ea"/>
+                <a:ea typeface="+mn-ea"/>
+              </a:rPr>
+              <a:t>(</a:t>
+            </a:r>
+            <a:r>
+              <a:rPr lang="ko-KR" altLang="en-US" sz="1200" dirty="0">
+                <a:latin typeface="+mn-ea"/>
+                <a:ea typeface="+mn-ea"/>
+              </a:rPr>
+              <a:t>약 </a:t>
+            </a:r>
+            <a:r>
+              <a:rPr lang="en-US" altLang="ko-KR" sz="1200" dirty="0">
+                <a:latin typeface="+mn-ea"/>
+                <a:ea typeface="+mn-ea"/>
+              </a:rPr>
+              <a:t>15</a:t>
+            </a:r>
+            <a:r>
+              <a:rPr lang="ko-KR" altLang="en-US" sz="1200" dirty="0">
+                <a:latin typeface="+mn-ea"/>
+                <a:ea typeface="+mn-ea"/>
+              </a:rPr>
+              <a:t>시간</a:t>
+            </a:r>
+            <a:r>
+              <a:rPr lang="en-US" altLang="ko-KR" sz="1200" dirty="0">
+                <a:latin typeface="+mn-ea"/>
+                <a:ea typeface="+mn-ea"/>
+              </a:rPr>
+              <a:t>)</a:t>
+            </a:r>
+            <a:r>
+              <a:rPr lang="ko-KR" altLang="en-US" sz="1200" dirty="0">
+                <a:latin typeface="+mn-ea"/>
+                <a:ea typeface="+mn-ea"/>
+              </a:rPr>
+              <a:t> 수행</a:t>
             </a:r>
             <a:endParaRPr lang="en-US" altLang="ko-KR" sz="1200" dirty="0">
               <a:latin typeface="+mn-ea"/>
@@ -20125,10 +20137,40 @@
       </p:sp>
       <p:pic>
         <p:nvPicPr>
-          <p:cNvPr id="6" name="그림 5">
+          <p:cNvPr id="2" name="그림 1">
             <a:extLst>
               <a:ext uri="{FF2B5EF4-FFF2-40B4-BE49-F238E27FC236}">
-                <a16:creationId xmlns:a16="http://schemas.microsoft.com/office/drawing/2014/main" id="{2F742AB7-2D56-BAF2-5B2B-99B52DACBE72}"/>
+                <a16:creationId xmlns:a16="http://schemas.microsoft.com/office/drawing/2014/main" id="{45BFB2F9-055B-B003-4771-F43DE99D4004}"/>
+              </a:ext>
+            </a:extLst>
+          </p:cNvPr>
+          <p:cNvPicPr>
+            <a:picLocks noChangeAspect="1"/>
+          </p:cNvPicPr>
+          <p:nvPr/>
+        </p:nvPicPr>
+        <p:blipFill>
+          <a:blip r:embed="rId3"/>
+          <a:stretch>
+            <a:fillRect/>
+          </a:stretch>
+        </p:blipFill>
+        <p:spPr>
+          <a:xfrm>
+            <a:off x="224464" y="1076500"/>
+            <a:ext cx="4192661" cy="2990500"/>
+          </a:xfrm>
+          <a:prstGeom prst="rect">
+            <a:avLst/>
+          </a:prstGeom>
+        </p:spPr>
+      </p:pic>
+      <p:pic>
+        <p:nvPicPr>
+          <p:cNvPr id="8" name="그림 7">
+            <a:extLst>
+              <a:ext uri="{FF2B5EF4-FFF2-40B4-BE49-F238E27FC236}">
+                <a16:creationId xmlns:a16="http://schemas.microsoft.com/office/drawing/2014/main" id="{14E8BBBA-18F5-1FA4-D4FC-0DCC833932F3}"/>
               </a:ext>
             </a:extLst>
           </p:cNvPr>
@@ -20145,8 +20187,8 @@
         </p:blipFill>
         <p:spPr>
           <a:xfrm>
-            <a:off x="357287" y="969179"/>
-            <a:ext cx="3815794" cy="2854779"/>
+            <a:off x="4551029" y="1032031"/>
+            <a:ext cx="4208698" cy="3434354"/>
           </a:xfrm>
           <a:prstGeom prst="rect">
             <a:avLst/>
@@ -20647,10 +20689,10 @@
       </p:sp>
       <p:pic>
         <p:nvPicPr>
-          <p:cNvPr id="3" name="그림 2" descr="스크린샷, 그린이(가) 표시된 사진&#10;&#10;자동 생성된 설명">
+          <p:cNvPr id="5" name="그림 4" descr="스크린샷, 그린이(가) 표시된 사진&#10;&#10;자동 생성된 설명">
             <a:extLst>
               <a:ext uri="{FF2B5EF4-FFF2-40B4-BE49-F238E27FC236}">
-                <a16:creationId xmlns:a16="http://schemas.microsoft.com/office/drawing/2014/main" id="{4411597D-58D9-C49C-2CC6-2AD419CD0A58}"/>
+                <a16:creationId xmlns:a16="http://schemas.microsoft.com/office/drawing/2014/main" id="{CD2A58D3-CFC5-2FBA-5D04-1852EA75BE69}"/>
               </a:ext>
             </a:extLst>
           </p:cNvPr>
@@ -20667,14 +20709,295 @@
         </p:blipFill>
         <p:spPr>
           <a:xfrm>
-            <a:off x="2470149" y="705169"/>
-            <a:ext cx="3228522" cy="4237436"/>
+            <a:off x="2564493" y="705169"/>
+            <a:ext cx="2995386" cy="3931444"/>
           </a:xfrm>
           <a:prstGeom prst="rect">
             <a:avLst/>
           </a:prstGeom>
         </p:spPr>
       </p:pic>
+      <p:sp>
+        <p:nvSpPr>
+          <p:cNvPr id="6" name="내용 개체 틀 2">
+            <a:extLst>
+              <a:ext uri="{FF2B5EF4-FFF2-40B4-BE49-F238E27FC236}">
+                <a16:creationId xmlns:a16="http://schemas.microsoft.com/office/drawing/2014/main" id="{2C7FA756-72D5-2E22-CC26-5E3480AD5211}"/>
+              </a:ext>
+            </a:extLst>
+          </p:cNvPr>
+          <p:cNvSpPr txBox="1">
+            <a:spLocks/>
+          </p:cNvSpPr>
+          <p:nvPr/>
+        </p:nvSpPr>
+        <p:spPr>
+          <a:xfrm>
+            <a:off x="3144364" y="4668898"/>
+            <a:ext cx="2501931" cy="373017"/>
+          </a:xfrm>
+          <a:prstGeom prst="rect">
+            <a:avLst/>
+          </a:prstGeom>
+        </p:spPr>
+        <p:txBody>
+          <a:bodyPr/>
+          <a:lstStyle>
+            <a:defPPr marR="0" lvl="0" algn="l" rtl="0">
+              <a:lnSpc>
+                <a:spcPct val="100000"/>
+              </a:lnSpc>
+              <a:spcBef>
+                <a:spcPts val="0"/>
+              </a:spcBef>
+              <a:spcAft>
+                <a:spcPts val="0"/>
+              </a:spcAft>
+            </a:defPPr>
+            <a:lvl1pPr marR="0" lvl="0" algn="l" rtl="0">
+              <a:lnSpc>
+                <a:spcPct val="100000"/>
+              </a:lnSpc>
+              <a:spcBef>
+                <a:spcPts val="0"/>
+              </a:spcBef>
+              <a:spcAft>
+                <a:spcPts val="0"/>
+              </a:spcAft>
+              <a:buClr>
+                <a:srgbClr val="000000"/>
+              </a:buClr>
+              <a:buFont typeface="Arial"/>
+              <a:defRPr sz="1400" b="0" i="0" u="none" strike="noStrike" cap="none">
+                <a:solidFill>
+                  <a:srgbClr val="000000"/>
+                </a:solidFill>
+                <a:latin typeface="Arial"/>
+                <a:ea typeface="Arial"/>
+                <a:cs typeface="Arial"/>
+                <a:sym typeface="Arial"/>
+              </a:defRPr>
+            </a:lvl1pPr>
+            <a:lvl2pPr marR="0" lvl="1" algn="l" rtl="0">
+              <a:lnSpc>
+                <a:spcPct val="100000"/>
+              </a:lnSpc>
+              <a:spcBef>
+                <a:spcPts val="0"/>
+              </a:spcBef>
+              <a:spcAft>
+                <a:spcPts val="0"/>
+              </a:spcAft>
+              <a:buClr>
+                <a:srgbClr val="000000"/>
+              </a:buClr>
+              <a:buFont typeface="Arial"/>
+              <a:defRPr sz="1400" b="0" i="0" u="none" strike="noStrike" cap="none">
+                <a:solidFill>
+                  <a:srgbClr val="000000"/>
+                </a:solidFill>
+                <a:latin typeface="Arial"/>
+                <a:ea typeface="Arial"/>
+                <a:cs typeface="Arial"/>
+                <a:sym typeface="Arial"/>
+              </a:defRPr>
+            </a:lvl2pPr>
+            <a:lvl3pPr marR="0" lvl="2" algn="l" rtl="0">
+              <a:lnSpc>
+                <a:spcPct val="100000"/>
+              </a:lnSpc>
+              <a:spcBef>
+                <a:spcPts val="0"/>
+              </a:spcBef>
+              <a:spcAft>
+                <a:spcPts val="0"/>
+              </a:spcAft>
+              <a:buClr>
+                <a:srgbClr val="000000"/>
+              </a:buClr>
+              <a:buFont typeface="Arial"/>
+              <a:defRPr sz="1400" b="0" i="0" u="none" strike="noStrike" cap="none">
+                <a:solidFill>
+                  <a:srgbClr val="000000"/>
+                </a:solidFill>
+                <a:latin typeface="Arial"/>
+                <a:ea typeface="Arial"/>
+                <a:cs typeface="Arial"/>
+                <a:sym typeface="Arial"/>
+              </a:defRPr>
+            </a:lvl3pPr>
+            <a:lvl4pPr marR="0" lvl="3" algn="l" rtl="0">
+              <a:lnSpc>
+                <a:spcPct val="100000"/>
+              </a:lnSpc>
+              <a:spcBef>
+                <a:spcPts val="0"/>
+              </a:spcBef>
+              <a:spcAft>
+                <a:spcPts val="0"/>
+              </a:spcAft>
+              <a:buClr>
+                <a:srgbClr val="000000"/>
+              </a:buClr>
+              <a:buFont typeface="Arial"/>
+              <a:defRPr sz="1400" b="0" i="0" u="none" strike="noStrike" cap="none">
+                <a:solidFill>
+                  <a:srgbClr val="000000"/>
+                </a:solidFill>
+                <a:latin typeface="Arial"/>
+                <a:ea typeface="Arial"/>
+                <a:cs typeface="Arial"/>
+                <a:sym typeface="Arial"/>
+              </a:defRPr>
+            </a:lvl4pPr>
+            <a:lvl5pPr marR="0" lvl="4" algn="l" rtl="0">
+              <a:lnSpc>
+                <a:spcPct val="100000"/>
+              </a:lnSpc>
+              <a:spcBef>
+                <a:spcPts val="0"/>
+              </a:spcBef>
+              <a:spcAft>
+                <a:spcPts val="0"/>
+              </a:spcAft>
+              <a:buClr>
+                <a:srgbClr val="000000"/>
+              </a:buClr>
+              <a:buFont typeface="Arial"/>
+              <a:defRPr sz="1400" b="0" i="0" u="none" strike="noStrike" cap="none">
+                <a:solidFill>
+                  <a:srgbClr val="000000"/>
+                </a:solidFill>
+                <a:latin typeface="Arial"/>
+                <a:ea typeface="Arial"/>
+                <a:cs typeface="Arial"/>
+                <a:sym typeface="Arial"/>
+              </a:defRPr>
+            </a:lvl5pPr>
+            <a:lvl6pPr marR="0" lvl="5" algn="l" rtl="0">
+              <a:lnSpc>
+                <a:spcPct val="100000"/>
+              </a:lnSpc>
+              <a:spcBef>
+                <a:spcPts val="0"/>
+              </a:spcBef>
+              <a:spcAft>
+                <a:spcPts val="0"/>
+              </a:spcAft>
+              <a:buClr>
+                <a:srgbClr val="000000"/>
+              </a:buClr>
+              <a:buFont typeface="Arial"/>
+              <a:defRPr sz="1400" b="0" i="0" u="none" strike="noStrike" cap="none">
+                <a:solidFill>
+                  <a:srgbClr val="000000"/>
+                </a:solidFill>
+                <a:latin typeface="Arial"/>
+                <a:ea typeface="Arial"/>
+                <a:cs typeface="Arial"/>
+                <a:sym typeface="Arial"/>
+              </a:defRPr>
+            </a:lvl6pPr>
+            <a:lvl7pPr marR="0" lvl="6" algn="l" rtl="0">
+              <a:lnSpc>
+                <a:spcPct val="100000"/>
+              </a:lnSpc>
+              <a:spcBef>
+                <a:spcPts val="0"/>
+              </a:spcBef>
+              <a:spcAft>
+                <a:spcPts val="0"/>
+              </a:spcAft>
+              <a:buClr>
+                <a:srgbClr val="000000"/>
+              </a:buClr>
+              <a:buFont typeface="Arial"/>
+              <a:defRPr sz="1400" b="0" i="0" u="none" strike="noStrike" cap="none">
+                <a:solidFill>
+                  <a:srgbClr val="000000"/>
+                </a:solidFill>
+                <a:latin typeface="Arial"/>
+                <a:ea typeface="Arial"/>
+                <a:cs typeface="Arial"/>
+                <a:sym typeface="Arial"/>
+              </a:defRPr>
+            </a:lvl7pPr>
+            <a:lvl8pPr marR="0" lvl="7" algn="l" rtl="0">
+              <a:lnSpc>
+                <a:spcPct val="100000"/>
+              </a:lnSpc>
+              <a:spcBef>
+                <a:spcPts val="0"/>
+              </a:spcBef>
+              <a:spcAft>
+                <a:spcPts val="0"/>
+              </a:spcAft>
+              <a:buClr>
+                <a:srgbClr val="000000"/>
+              </a:buClr>
+              <a:buFont typeface="Arial"/>
+              <a:defRPr sz="1400" b="0" i="0" u="none" strike="noStrike" cap="none">
+                <a:solidFill>
+                  <a:srgbClr val="000000"/>
+                </a:solidFill>
+                <a:latin typeface="Arial"/>
+                <a:ea typeface="Arial"/>
+                <a:cs typeface="Arial"/>
+                <a:sym typeface="Arial"/>
+              </a:defRPr>
+            </a:lvl8pPr>
+            <a:lvl9pPr marR="0" lvl="8" algn="l" rtl="0">
+              <a:lnSpc>
+                <a:spcPct val="100000"/>
+              </a:lnSpc>
+              <a:spcBef>
+                <a:spcPts val="0"/>
+              </a:spcBef>
+              <a:spcAft>
+                <a:spcPts val="0"/>
+              </a:spcAft>
+              <a:buClr>
+                <a:srgbClr val="000000"/>
+              </a:buClr>
+              <a:buFont typeface="Arial"/>
+              <a:defRPr sz="1400" b="0" i="0" u="none" strike="noStrike" cap="none">
+                <a:solidFill>
+                  <a:srgbClr val="000000"/>
+                </a:solidFill>
+                <a:latin typeface="Arial"/>
+                <a:ea typeface="Arial"/>
+                <a:cs typeface="Arial"/>
+                <a:sym typeface="Arial"/>
+              </a:defRPr>
+            </a:lvl9pPr>
+          </a:lstStyle>
+          <a:p>
+            <a:pPr>
+              <a:lnSpc>
+                <a:spcPct val="150000"/>
+              </a:lnSpc>
+            </a:pPr>
+            <a:r>
+              <a:rPr lang="en-US" altLang="ko-KR" sz="1200" dirty="0">
+                <a:latin typeface="+mn-ea"/>
+                <a:ea typeface="+mn-ea"/>
+              </a:rPr>
+              <a:t>8: 21</a:t>
+            </a:r>
+            <a:r>
+              <a:rPr lang="ko-KR" altLang="en-US" sz="1200" dirty="0">
+                <a:latin typeface="+mn-ea"/>
+                <a:ea typeface="+mn-ea"/>
+              </a:rPr>
+              <a:t>로 승리</a:t>
+            </a:r>
+            <a:endParaRPr lang="en-US" altLang="ko-KR" sz="1200" dirty="0">
+              <a:latin typeface="+mn-ea"/>
+              <a:ea typeface="+mn-ea"/>
+            </a:endParaRPr>
+          </a:p>
+        </p:txBody>
+      </p:sp>
     </p:spTree>
     <p:extLst>
       <p:ext uri="{BB962C8B-B14F-4D97-AF65-F5344CB8AC3E}">
